--- a/PS SoftwarearchitekturPP.pptx
+++ b/PS SoftwarearchitekturPP.pptx
@@ -6,15 +6,19 @@
   </p:sldMasterIdLst>
   <p:sldIdLst>
     <p:sldId id="256" r:id="rId2"/>
-    <p:sldId id="259" r:id="rId3"/>
-    <p:sldId id="260" r:id="rId4"/>
-    <p:sldId id="257" r:id="rId5"/>
-    <p:sldId id="261" r:id="rId6"/>
-    <p:sldId id="266" r:id="rId7"/>
-    <p:sldId id="262" r:id="rId8"/>
-    <p:sldId id="263" r:id="rId9"/>
-    <p:sldId id="264" r:id="rId10"/>
-    <p:sldId id="265" r:id="rId11"/>
+    <p:sldId id="267" r:id="rId3"/>
+    <p:sldId id="259" r:id="rId4"/>
+    <p:sldId id="260" r:id="rId5"/>
+    <p:sldId id="257" r:id="rId6"/>
+    <p:sldId id="261" r:id="rId7"/>
+    <p:sldId id="266" r:id="rId8"/>
+    <p:sldId id="262" r:id="rId9"/>
+    <p:sldId id="263" r:id="rId10"/>
+    <p:sldId id="264" r:id="rId11"/>
+    <p:sldId id="265" r:id="rId12"/>
+    <p:sldId id="268" r:id="rId13"/>
+    <p:sldId id="269" r:id="rId14"/>
+    <p:sldId id="270" r:id="rId15"/>
   </p:sldIdLst>
   <p:sldSz cx="12192000" cy="6858000"/>
   <p:notesSz cx="6858000" cy="9144000"/>
@@ -113,6 +117,11 @@
       </a:defRPr>
     </a:lvl9pPr>
   </p:defaultTextStyle>
+  <p:extLst>
+    <p:ext uri="{EFAFB233-063F-42B5-8137-9DF3F51BA10A}">
+      <p15:sldGuideLst xmlns:p15="http://schemas.microsoft.com/office/powerpoint/2012/main"/>
+    </p:ext>
+  </p:extLst>
 </p:presentation>
 </file>
 
@@ -5947,7 +5956,7 @@
           <a:p>
             <a:r>
               <a:rPr lang="de-DE" dirty="0"/>
-              <a:t>Aufgaben Michael u.a.:</a:t>
+              <a:t>Aufgaben Alexander u.a.:</a:t>
             </a:r>
             <a:endParaRPr lang="de-AT" dirty="0"/>
           </a:p>
@@ -5976,6 +5985,186 @@
           <a:p>
             <a:r>
               <a:rPr lang="de-DE" dirty="0"/>
+              <a:t>UML Diagramm (Gruppe) </a:t>
+            </a:r>
+          </a:p>
+          <a:p>
+            <a:r>
+              <a:rPr lang="de-DE" dirty="0" err="1"/>
+              <a:t>AuditLog</a:t>
+            </a:r>
+            <a:endParaRPr lang="de-AT" dirty="0"/>
+          </a:p>
+          <a:p>
+            <a:r>
+              <a:rPr lang="de-AT" dirty="0" err="1"/>
+              <a:t>FailureUrl</a:t>
+            </a:r>
+            <a:endParaRPr lang="de-AT" dirty="0"/>
+          </a:p>
+          <a:p>
+            <a:r>
+              <a:rPr lang="de-AT" dirty="0"/>
+              <a:t>Pop </a:t>
+            </a:r>
+            <a:r>
+              <a:rPr lang="de-AT" dirty="0" err="1"/>
+              <a:t>ups</a:t>
+            </a:r>
+            <a:r>
+              <a:rPr lang="de-AT" dirty="0"/>
+              <a:t> </a:t>
+            </a:r>
+            <a:r>
+              <a:rPr lang="de-AT" dirty="0" err="1"/>
+              <a:t>for</a:t>
+            </a:r>
+            <a:r>
+              <a:rPr lang="de-AT" dirty="0"/>
+              <a:t> </a:t>
+            </a:r>
+            <a:r>
+              <a:rPr lang="de-AT" dirty="0" err="1"/>
+              <a:t>errors</a:t>
+            </a:r>
+            <a:r>
+              <a:rPr lang="de-AT" dirty="0"/>
+              <a:t> and </a:t>
+            </a:r>
+            <a:r>
+              <a:rPr lang="de-AT" dirty="0" err="1"/>
+              <a:t>alerts</a:t>
+            </a:r>
+            <a:r>
+              <a:rPr lang="de-AT" dirty="0"/>
+              <a:t> </a:t>
+            </a:r>
+            <a:r>
+              <a:rPr lang="de-AT" dirty="0" err="1"/>
+              <a:t>with</a:t>
+            </a:r>
+            <a:r>
+              <a:rPr lang="de-AT" dirty="0"/>
+              <a:t> </a:t>
+            </a:r>
+            <a:r>
+              <a:rPr lang="de-AT" dirty="0" err="1"/>
+              <a:t>FacesMessage</a:t>
+            </a:r>
+            <a:endParaRPr lang="de-AT" dirty="0"/>
+          </a:p>
+          <a:p>
+            <a:r>
+              <a:rPr lang="de-DE" dirty="0"/>
+              <a:t>Teil des Dienstplans</a:t>
+            </a:r>
+          </a:p>
+          <a:p>
+            <a:r>
+              <a:rPr lang="de-DE" dirty="0"/>
+              <a:t>Bugfixes and </a:t>
+            </a:r>
+            <a:r>
+              <a:rPr lang="de-DE" dirty="0" err="1"/>
+              <a:t>small</a:t>
+            </a:r>
+            <a:r>
+              <a:rPr lang="de-DE" dirty="0"/>
+              <a:t> </a:t>
+            </a:r>
+            <a:r>
+              <a:rPr lang="de-DE" dirty="0" err="1"/>
+              <a:t>additions</a:t>
+            </a:r>
+            <a:r>
+              <a:rPr lang="de-DE" dirty="0"/>
+              <a:t> </a:t>
+            </a:r>
+          </a:p>
+        </p:txBody>
+      </p:sp>
+    </p:spTree>
+    <p:extLst>
+      <p:ext uri="{BB962C8B-B14F-4D97-AF65-F5344CB8AC3E}">
+        <p14:creationId xmlns:p14="http://schemas.microsoft.com/office/powerpoint/2010/main" val="951825689"/>
+      </p:ext>
+    </p:extLst>
+  </p:cSld>
+  <p:clrMapOvr>
+    <a:masterClrMapping/>
+  </p:clrMapOvr>
+</p:sld>
+</file>
+
+<file path=ppt/slides/slide11.xml><?xml version="1.0" encoding="utf-8"?>
+<p:sld xmlns:a="http://schemas.openxmlformats.org/drawingml/2006/main" xmlns:r="http://schemas.openxmlformats.org/officeDocument/2006/relationships" xmlns:p="http://schemas.openxmlformats.org/presentationml/2006/main">
+  <p:cSld>
+    <p:spTree>
+      <p:nvGrpSpPr>
+        <p:cNvPr id="1" name=""/>
+        <p:cNvGrpSpPr/>
+        <p:nvPr/>
+      </p:nvGrpSpPr>
+      <p:grpSpPr>
+        <a:xfrm>
+          <a:off x="0" y="0"/>
+          <a:ext cx="0" cy="0"/>
+          <a:chOff x="0" y="0"/>
+          <a:chExt cx="0" cy="0"/>
+        </a:xfrm>
+      </p:grpSpPr>
+      <p:sp>
+        <p:nvSpPr>
+          <p:cNvPr id="2" name="Titel 1">
+            <a:extLst>
+              <a:ext uri="{FF2B5EF4-FFF2-40B4-BE49-F238E27FC236}">
+                <a16:creationId xmlns:a16="http://schemas.microsoft.com/office/drawing/2014/main" id="{D154E8EE-37C0-41F5-B632-3DB79BFA0A39}"/>
+              </a:ext>
+            </a:extLst>
+          </p:cNvPr>
+          <p:cNvSpPr>
+            <a:spLocks noGrp="1"/>
+          </p:cNvSpPr>
+          <p:nvPr>
+            <p:ph type="title"/>
+          </p:nvPr>
+        </p:nvSpPr>
+        <p:spPr/>
+        <p:txBody>
+          <a:bodyPr/>
+          <a:lstStyle/>
+          <a:p>
+            <a:r>
+              <a:rPr lang="de-DE" dirty="0"/>
+              <a:t>Aufgaben Michael u.a.:</a:t>
+            </a:r>
+            <a:endParaRPr lang="de-AT" dirty="0"/>
+          </a:p>
+        </p:txBody>
+      </p:sp>
+      <p:sp>
+        <p:nvSpPr>
+          <p:cNvPr id="3" name="Inhaltsplatzhalter 2">
+            <a:extLst>
+              <a:ext uri="{FF2B5EF4-FFF2-40B4-BE49-F238E27FC236}">
+                <a16:creationId xmlns:a16="http://schemas.microsoft.com/office/drawing/2014/main" id="{A7C44897-E624-4AE7-8863-6E9749DAB788}"/>
+              </a:ext>
+            </a:extLst>
+          </p:cNvPr>
+          <p:cNvSpPr>
+            <a:spLocks noGrp="1"/>
+          </p:cNvSpPr>
+          <p:nvPr>
+            <p:ph idx="1"/>
+          </p:nvPr>
+        </p:nvSpPr>
+        <p:spPr/>
+        <p:txBody>
+          <a:bodyPr/>
+          <a:lstStyle/>
+          <a:p>
+            <a:r>
+              <a:rPr lang="de-DE" dirty="0"/>
               <a:t>UML Diagramm(Gruppe) </a:t>
             </a:r>
             <a:endParaRPr lang="de-AT" dirty="0"/>
@@ -5986,6 +6175,260 @@
     <p:extLst>
       <p:ext uri="{BB962C8B-B14F-4D97-AF65-F5344CB8AC3E}">
         <p14:creationId xmlns:p14="http://schemas.microsoft.com/office/powerpoint/2010/main" val="894073980"/>
+      </p:ext>
+    </p:extLst>
+  </p:cSld>
+  <p:clrMapOvr>
+    <a:masterClrMapping/>
+  </p:clrMapOvr>
+</p:sld>
+</file>
+
+<file path=ppt/slides/slide12.xml><?xml version="1.0" encoding="utf-8"?>
+<p:sld xmlns:a="http://schemas.openxmlformats.org/drawingml/2006/main" xmlns:r="http://schemas.openxmlformats.org/officeDocument/2006/relationships" xmlns:p="http://schemas.openxmlformats.org/presentationml/2006/main">
+  <p:cSld>
+    <p:spTree>
+      <p:nvGrpSpPr>
+        <p:cNvPr id="1" name=""/>
+        <p:cNvGrpSpPr/>
+        <p:nvPr/>
+      </p:nvGrpSpPr>
+      <p:grpSpPr>
+        <a:xfrm>
+          <a:off x="0" y="0"/>
+          <a:ext cx="0" cy="0"/>
+          <a:chOff x="0" y="0"/>
+          <a:chExt cx="0" cy="0"/>
+        </a:xfrm>
+      </p:grpSpPr>
+      <p:sp>
+        <p:nvSpPr>
+          <p:cNvPr id="2" name="Titel 1">
+            <a:extLst>
+              <a:ext uri="{FF2B5EF4-FFF2-40B4-BE49-F238E27FC236}">
+                <a16:creationId xmlns:a16="http://schemas.microsoft.com/office/drawing/2014/main" id="{34B20846-3936-4341-BBEB-99A720413D82}"/>
+              </a:ext>
+            </a:extLst>
+          </p:cNvPr>
+          <p:cNvSpPr>
+            <a:spLocks noGrp="1"/>
+          </p:cNvSpPr>
+          <p:nvPr>
+            <p:ph type="title"/>
+          </p:nvPr>
+        </p:nvSpPr>
+        <p:spPr/>
+        <p:txBody>
+          <a:bodyPr/>
+          <a:lstStyle/>
+          <a:p>
+            <a:r>
+              <a:rPr lang="de-AT" dirty="0"/>
+              <a:t>Vorzeigen der Seite</a:t>
+            </a:r>
+          </a:p>
+        </p:txBody>
+      </p:sp>
+      <p:sp>
+        <p:nvSpPr>
+          <p:cNvPr id="3" name="Inhaltsplatzhalter 2">
+            <a:extLst>
+              <a:ext uri="{FF2B5EF4-FFF2-40B4-BE49-F238E27FC236}">
+                <a16:creationId xmlns:a16="http://schemas.microsoft.com/office/drawing/2014/main" id="{D851AE9B-82C2-4E04-9849-8FCDA58E7948}"/>
+              </a:ext>
+            </a:extLst>
+          </p:cNvPr>
+          <p:cNvSpPr>
+            <a:spLocks noGrp="1"/>
+          </p:cNvSpPr>
+          <p:nvPr>
+            <p:ph idx="1"/>
+          </p:nvPr>
+        </p:nvSpPr>
+        <p:spPr/>
+        <p:txBody>
+          <a:bodyPr/>
+          <a:lstStyle/>
+          <a:p>
+            <a:endParaRPr lang="de-AT"/>
+          </a:p>
+        </p:txBody>
+      </p:sp>
+    </p:spTree>
+    <p:extLst>
+      <p:ext uri="{BB962C8B-B14F-4D97-AF65-F5344CB8AC3E}">
+        <p14:creationId xmlns:p14="http://schemas.microsoft.com/office/powerpoint/2010/main" val="1687586489"/>
+      </p:ext>
+    </p:extLst>
+  </p:cSld>
+  <p:clrMapOvr>
+    <a:masterClrMapping/>
+  </p:clrMapOvr>
+</p:sld>
+</file>
+
+<file path=ppt/slides/slide13.xml><?xml version="1.0" encoding="utf-8"?>
+<p:sld xmlns:a="http://schemas.openxmlformats.org/drawingml/2006/main" xmlns:r="http://schemas.openxmlformats.org/officeDocument/2006/relationships" xmlns:p="http://schemas.openxmlformats.org/presentationml/2006/main">
+  <p:cSld>
+    <p:spTree>
+      <p:nvGrpSpPr>
+        <p:cNvPr id="1" name=""/>
+        <p:cNvGrpSpPr/>
+        <p:nvPr/>
+      </p:nvGrpSpPr>
+      <p:grpSpPr>
+        <a:xfrm>
+          <a:off x="0" y="0"/>
+          <a:ext cx="0" cy="0"/>
+          <a:chOff x="0" y="0"/>
+          <a:chExt cx="0" cy="0"/>
+        </a:xfrm>
+      </p:grpSpPr>
+      <p:sp>
+        <p:nvSpPr>
+          <p:cNvPr id="2" name="Titel 1">
+            <a:extLst>
+              <a:ext uri="{FF2B5EF4-FFF2-40B4-BE49-F238E27FC236}">
+                <a16:creationId xmlns:a16="http://schemas.microsoft.com/office/drawing/2014/main" id="{83D425DF-96BE-4C7A-AB14-984F98990F3E}"/>
+              </a:ext>
+            </a:extLst>
+          </p:cNvPr>
+          <p:cNvSpPr>
+            <a:spLocks noGrp="1"/>
+          </p:cNvSpPr>
+          <p:nvPr>
+            <p:ph type="title"/>
+          </p:nvPr>
+        </p:nvSpPr>
+        <p:spPr/>
+        <p:txBody>
+          <a:bodyPr/>
+          <a:lstStyle/>
+          <a:p>
+            <a:r>
+              <a:rPr lang="de-AT" dirty="0"/>
+              <a:t>Reflexion</a:t>
+            </a:r>
+          </a:p>
+        </p:txBody>
+      </p:sp>
+      <p:sp>
+        <p:nvSpPr>
+          <p:cNvPr id="3" name="Inhaltsplatzhalter 2">
+            <a:extLst>
+              <a:ext uri="{FF2B5EF4-FFF2-40B4-BE49-F238E27FC236}">
+                <a16:creationId xmlns:a16="http://schemas.microsoft.com/office/drawing/2014/main" id="{C2937102-D96E-4C6B-880C-0404F6FFEE0C}"/>
+              </a:ext>
+            </a:extLst>
+          </p:cNvPr>
+          <p:cNvSpPr>
+            <a:spLocks noGrp="1"/>
+          </p:cNvSpPr>
+          <p:nvPr>
+            <p:ph idx="1"/>
+          </p:nvPr>
+        </p:nvSpPr>
+        <p:spPr/>
+        <p:txBody>
+          <a:bodyPr/>
+          <a:lstStyle/>
+          <a:p>
+            <a:endParaRPr lang="de-AT" dirty="0"/>
+          </a:p>
+        </p:txBody>
+      </p:sp>
+    </p:spTree>
+    <p:extLst>
+      <p:ext uri="{BB962C8B-B14F-4D97-AF65-F5344CB8AC3E}">
+        <p14:creationId xmlns:p14="http://schemas.microsoft.com/office/powerpoint/2010/main" val="530280940"/>
+      </p:ext>
+    </p:extLst>
+  </p:cSld>
+  <p:clrMapOvr>
+    <a:masterClrMapping/>
+  </p:clrMapOvr>
+</p:sld>
+</file>
+
+<file path=ppt/slides/slide14.xml><?xml version="1.0" encoding="utf-8"?>
+<p:sld xmlns:a="http://schemas.openxmlformats.org/drawingml/2006/main" xmlns:r="http://schemas.openxmlformats.org/officeDocument/2006/relationships" xmlns:p="http://schemas.openxmlformats.org/presentationml/2006/main">
+  <p:cSld>
+    <p:spTree>
+      <p:nvGrpSpPr>
+        <p:cNvPr id="1" name=""/>
+        <p:cNvGrpSpPr/>
+        <p:nvPr/>
+      </p:nvGrpSpPr>
+      <p:grpSpPr>
+        <a:xfrm>
+          <a:off x="0" y="0"/>
+          <a:ext cx="0" cy="0"/>
+          <a:chOff x="0" y="0"/>
+          <a:chExt cx="0" cy="0"/>
+        </a:xfrm>
+      </p:grpSpPr>
+      <p:sp>
+        <p:nvSpPr>
+          <p:cNvPr id="2" name="Titel 1">
+            <a:extLst>
+              <a:ext uri="{FF2B5EF4-FFF2-40B4-BE49-F238E27FC236}">
+                <a16:creationId xmlns:a16="http://schemas.microsoft.com/office/drawing/2014/main" id="{9F4E5ABC-1DC0-4E19-857E-2A9D5650C0AE}"/>
+              </a:ext>
+            </a:extLst>
+          </p:cNvPr>
+          <p:cNvSpPr>
+            <a:spLocks noGrp="1"/>
+          </p:cNvSpPr>
+          <p:nvPr>
+            <p:ph type="title"/>
+          </p:nvPr>
+        </p:nvSpPr>
+        <p:spPr>
+          <a:xfrm>
+            <a:off x="677334" y="2160589"/>
+            <a:ext cx="8596668" cy="1320800"/>
+          </a:xfrm>
+        </p:spPr>
+        <p:txBody>
+          <a:bodyPr/>
+          <a:lstStyle/>
+          <a:p>
+            <a:r>
+              <a:rPr lang="de-AT" dirty="0"/>
+              <a:t>Danke für Eure Aufmerksamkeit!</a:t>
+            </a:r>
+          </a:p>
+        </p:txBody>
+      </p:sp>
+      <p:sp>
+        <p:nvSpPr>
+          <p:cNvPr id="3" name="Inhaltsplatzhalter 2">
+            <a:extLst>
+              <a:ext uri="{FF2B5EF4-FFF2-40B4-BE49-F238E27FC236}">
+                <a16:creationId xmlns:a16="http://schemas.microsoft.com/office/drawing/2014/main" id="{DC679F59-4248-47BB-A781-0CA9BF94E259}"/>
+              </a:ext>
+            </a:extLst>
+          </p:cNvPr>
+          <p:cNvSpPr>
+            <a:spLocks noGrp="1"/>
+          </p:cNvSpPr>
+          <p:nvPr>
+            <p:ph idx="1"/>
+          </p:nvPr>
+        </p:nvSpPr>
+        <p:spPr/>
+        <p:txBody>
+          <a:bodyPr/>
+          <a:lstStyle/>
+          <a:p>
+            <a:endParaRPr lang="de-AT" dirty="0"/>
+          </a:p>
+        </p:txBody>
+      </p:sp>
+    </p:spTree>
+    <p:extLst>
+      <p:ext uri="{BB962C8B-B14F-4D97-AF65-F5344CB8AC3E}">
+        <p14:creationId xmlns:p14="http://schemas.microsoft.com/office/powerpoint/2010/main" val="2724777490"/>
       </p:ext>
     </p:extLst>
   </p:cSld>
@@ -6017,6 +6460,113 @@
           <p:cNvPr id="2" name="Titel 1">
             <a:extLst>
               <a:ext uri="{FF2B5EF4-FFF2-40B4-BE49-F238E27FC236}">
+                <a16:creationId xmlns:a16="http://schemas.microsoft.com/office/drawing/2014/main" id="{A4096695-51C6-4E1E-B7EF-CEB2486B32A3}"/>
+              </a:ext>
+            </a:extLst>
+          </p:cNvPr>
+          <p:cNvSpPr>
+            <a:spLocks noGrp="1"/>
+          </p:cNvSpPr>
+          <p:nvPr>
+            <p:ph type="title"/>
+          </p:nvPr>
+        </p:nvSpPr>
+        <p:spPr/>
+        <p:txBody>
+          <a:bodyPr/>
+          <a:lstStyle/>
+          <a:p>
+            <a:r>
+              <a:rPr lang="de-AT" dirty="0"/>
+              <a:t>Projektziele</a:t>
+            </a:r>
+          </a:p>
+        </p:txBody>
+      </p:sp>
+      <p:sp>
+        <p:nvSpPr>
+          <p:cNvPr id="3" name="Inhaltsplatzhalter 2">
+            <a:extLst>
+              <a:ext uri="{FF2B5EF4-FFF2-40B4-BE49-F238E27FC236}">
+                <a16:creationId xmlns:a16="http://schemas.microsoft.com/office/drawing/2014/main" id="{6AAA0029-2E30-46EE-9B30-F430A2B519F0}"/>
+              </a:ext>
+            </a:extLst>
+          </p:cNvPr>
+          <p:cNvSpPr>
+            <a:spLocks noGrp="1"/>
+          </p:cNvSpPr>
+          <p:nvPr>
+            <p:ph idx="1"/>
+          </p:nvPr>
+        </p:nvSpPr>
+        <p:spPr/>
+        <p:txBody>
+          <a:bodyPr/>
+          <a:lstStyle/>
+          <a:p>
+            <a:r>
+              <a:rPr lang="de-DE" dirty="0"/>
+              <a:t>Eine Website, mit der Flugzeuge, Flüge, User und Dienstpläne verwaltet werden können.</a:t>
+            </a:r>
+          </a:p>
+          <a:p>
+            <a:r>
+              <a:rPr lang="de-AT" dirty="0"/>
+              <a:t>Wissen im Bereich Spring-Framework und Java aufbauen</a:t>
+            </a:r>
+          </a:p>
+          <a:p>
+            <a:r>
+              <a:rPr lang="de-AT" dirty="0"/>
+              <a:t>Arbeiten in einem Projektteam</a:t>
+            </a:r>
+          </a:p>
+          <a:p>
+            <a:r>
+              <a:rPr lang="de-AT" dirty="0"/>
+              <a:t>GIT als Versionskontrollsystem</a:t>
+            </a:r>
+          </a:p>
+          <a:p>
+            <a:endParaRPr lang="de-AT" dirty="0"/>
+          </a:p>
+        </p:txBody>
+      </p:sp>
+    </p:spTree>
+    <p:extLst>
+      <p:ext uri="{BB962C8B-B14F-4D97-AF65-F5344CB8AC3E}">
+        <p14:creationId xmlns:p14="http://schemas.microsoft.com/office/powerpoint/2010/main" val="1375126519"/>
+      </p:ext>
+    </p:extLst>
+  </p:cSld>
+  <p:clrMapOvr>
+    <a:masterClrMapping/>
+  </p:clrMapOvr>
+</p:sld>
+</file>
+
+<file path=ppt/slides/slide3.xml><?xml version="1.0" encoding="utf-8"?>
+<p:sld xmlns:a="http://schemas.openxmlformats.org/drawingml/2006/main" xmlns:r="http://schemas.openxmlformats.org/officeDocument/2006/relationships" xmlns:p="http://schemas.openxmlformats.org/presentationml/2006/main">
+  <p:cSld>
+    <p:spTree>
+      <p:nvGrpSpPr>
+        <p:cNvPr id="1" name=""/>
+        <p:cNvGrpSpPr/>
+        <p:nvPr/>
+      </p:nvGrpSpPr>
+      <p:grpSpPr>
+        <a:xfrm>
+          <a:off x="0" y="0"/>
+          <a:ext cx="0" cy="0"/>
+          <a:chOff x="0" y="0"/>
+          <a:chExt cx="0" cy="0"/>
+        </a:xfrm>
+      </p:grpSpPr>
+      <p:sp>
+        <p:nvSpPr>
+          <p:cNvPr id="2" name="Titel 1">
+            <a:extLst>
+              <a:ext uri="{FF2B5EF4-FFF2-40B4-BE49-F238E27FC236}">
                 <a16:creationId xmlns:a16="http://schemas.microsoft.com/office/drawing/2014/main" id="{3E0B06C9-DF8A-4C94-A520-163FDCD70402}"/>
               </a:ext>
             </a:extLst>
@@ -6070,7 +6620,7 @@
         </p:blipFill>
         <p:spPr>
           <a:xfrm>
-            <a:off x="0" y="959277"/>
+            <a:off x="1079038" y="959277"/>
             <a:ext cx="8798560" cy="5898723"/>
           </a:xfrm>
         </p:spPr>
@@ -6088,7 +6638,7 @@
 </p:sld>
 </file>
 
-<file path=ppt/slides/slide3.xml><?xml version="1.0" encoding="utf-8"?>
+<file path=ppt/slides/slide4.xml><?xml version="1.0" encoding="utf-8"?>
 <p:sld xmlns:a="http://schemas.openxmlformats.org/drawingml/2006/main" xmlns:r="http://schemas.openxmlformats.org/officeDocument/2006/relationships" xmlns:p="http://schemas.openxmlformats.org/presentationml/2006/main">
   <p:cSld>
     <p:spTree>
@@ -6129,7 +6679,7 @@
         </p:blipFill>
         <p:spPr>
           <a:xfrm>
-            <a:off x="659890" y="0"/>
+            <a:off x="1869565" y="0"/>
             <a:ext cx="6345015" cy="6106160"/>
           </a:xfrm>
         </p:spPr>
@@ -6181,7 +6731,7 @@
 </p:sld>
 </file>
 
-<file path=ppt/slides/slide4.xml><?xml version="1.0" encoding="utf-8"?>
+<file path=ppt/slides/slide5.xml><?xml version="1.0" encoding="utf-8"?>
 <p:sld xmlns:a="http://schemas.openxmlformats.org/drawingml/2006/main" xmlns:r="http://schemas.openxmlformats.org/officeDocument/2006/relationships" xmlns:p="http://schemas.openxmlformats.org/presentationml/2006/main">
   <p:cSld>
     <p:spTree>
@@ -6289,7 +6839,7 @@
 </p:sld>
 </file>
 
-<file path=ppt/slides/slide5.xml><?xml version="1.0" encoding="utf-8"?>
+<file path=ppt/slides/slide6.xml><?xml version="1.0" encoding="utf-8"?>
 <p:sld xmlns:a="http://schemas.openxmlformats.org/drawingml/2006/main" xmlns:r="http://schemas.openxmlformats.org/officeDocument/2006/relationships" xmlns:p="http://schemas.openxmlformats.org/presentationml/2006/main">
   <p:cSld>
     <p:spTree>
@@ -7928,94 +8478,6 @@
 </p:sld>
 </file>
 
-<file path=ppt/slides/slide6.xml><?xml version="1.0" encoding="utf-8"?>
-<p:sld xmlns:a="http://schemas.openxmlformats.org/drawingml/2006/main" xmlns:r="http://schemas.openxmlformats.org/officeDocument/2006/relationships" xmlns:p="http://schemas.openxmlformats.org/presentationml/2006/main">
-  <p:cSld>
-    <p:spTree>
-      <p:nvGrpSpPr>
-        <p:cNvPr id="1" name=""/>
-        <p:cNvGrpSpPr/>
-        <p:nvPr/>
-      </p:nvGrpSpPr>
-      <p:grpSpPr>
-        <a:xfrm>
-          <a:off x="0" y="0"/>
-          <a:ext cx="0" cy="0"/>
-          <a:chOff x="0" y="0"/>
-          <a:chExt cx="0" cy="0"/>
-        </a:xfrm>
-      </p:grpSpPr>
-      <p:sp>
-        <p:nvSpPr>
-          <p:cNvPr id="2" name="Titel 1">
-            <a:extLst>
-              <a:ext uri="{FF2B5EF4-FFF2-40B4-BE49-F238E27FC236}">
-                <a16:creationId xmlns:a16="http://schemas.microsoft.com/office/drawing/2014/main" id="{1084D620-8385-468C-ABF0-A3F044ADCE66}"/>
-              </a:ext>
-            </a:extLst>
-          </p:cNvPr>
-          <p:cNvSpPr>
-            <a:spLocks noGrp="1"/>
-          </p:cNvSpPr>
-          <p:nvPr>
-            <p:ph type="title"/>
-          </p:nvPr>
-        </p:nvSpPr>
-        <p:spPr/>
-        <p:txBody>
-          <a:bodyPr/>
-          <a:lstStyle/>
-          <a:p>
-            <a:r>
-              <a:rPr lang="de-DE" dirty="0"/>
-              <a:t>Besonderheiten unseres Projekts</a:t>
-            </a:r>
-            <a:endParaRPr lang="de-AT" dirty="0"/>
-          </a:p>
-        </p:txBody>
-      </p:sp>
-      <p:sp>
-        <p:nvSpPr>
-          <p:cNvPr id="3" name="Inhaltsplatzhalter 2">
-            <a:extLst>
-              <a:ext uri="{FF2B5EF4-FFF2-40B4-BE49-F238E27FC236}">
-                <a16:creationId xmlns:a16="http://schemas.microsoft.com/office/drawing/2014/main" id="{BAD7896F-EE06-43F1-8A15-3B827E7F2685}"/>
-              </a:ext>
-            </a:extLst>
-          </p:cNvPr>
-          <p:cNvSpPr>
-            <a:spLocks noGrp="1"/>
-          </p:cNvSpPr>
-          <p:nvPr>
-            <p:ph idx="1"/>
-          </p:nvPr>
-        </p:nvSpPr>
-        <p:spPr/>
-        <p:txBody>
-          <a:bodyPr/>
-          <a:lstStyle/>
-          <a:p>
-            <a:r>
-              <a:rPr lang="de-DE" dirty="0"/>
-              <a:t>?</a:t>
-            </a:r>
-            <a:endParaRPr lang="de-AT" dirty="0"/>
-          </a:p>
-        </p:txBody>
-      </p:sp>
-    </p:spTree>
-    <p:extLst>
-      <p:ext uri="{BB962C8B-B14F-4D97-AF65-F5344CB8AC3E}">
-        <p14:creationId xmlns:p14="http://schemas.microsoft.com/office/powerpoint/2010/main" val="3080244098"/>
-      </p:ext>
-    </p:extLst>
-  </p:cSld>
-  <p:clrMapOvr>
-    <a:masterClrMapping/>
-  </p:clrMapOvr>
-</p:sld>
-</file>
-
 <file path=ppt/slides/slide7.xml><?xml version="1.0" encoding="utf-8"?>
 <p:sld xmlns:a="http://schemas.openxmlformats.org/drawingml/2006/main" xmlns:r="http://schemas.openxmlformats.org/officeDocument/2006/relationships" xmlns:p="http://schemas.openxmlformats.org/presentationml/2006/main">
   <p:cSld>
@@ -8038,7 +8500,7 @@
           <p:cNvPr id="2" name="Titel 1">
             <a:extLst>
               <a:ext uri="{FF2B5EF4-FFF2-40B4-BE49-F238E27FC236}">
-                <a16:creationId xmlns:a16="http://schemas.microsoft.com/office/drawing/2014/main" id="{D154E8EE-37C0-41F5-B632-3DB79BFA0A39}"/>
+                <a16:creationId xmlns:a16="http://schemas.microsoft.com/office/drawing/2014/main" id="{1084D620-8385-468C-ABF0-A3F044ADCE66}"/>
               </a:ext>
             </a:extLst>
           </p:cNvPr>
@@ -8056,7 +8518,7 @@
           <a:p>
             <a:r>
               <a:rPr lang="de-DE" dirty="0"/>
-              <a:t>Aufgaben Raffael u.a.:</a:t>
+              <a:t>Besonderheiten unseres Projekts</a:t>
             </a:r>
             <a:endParaRPr lang="de-AT" dirty="0"/>
           </a:p>
@@ -8067,7 +8529,7 @@
           <p:cNvPr id="3" name="Inhaltsplatzhalter 2">
             <a:extLst>
               <a:ext uri="{FF2B5EF4-FFF2-40B4-BE49-F238E27FC236}">
-                <a16:creationId xmlns:a16="http://schemas.microsoft.com/office/drawing/2014/main" id="{A7C44897-E624-4AE7-8863-6E9749DAB788}"/>
+                <a16:creationId xmlns:a16="http://schemas.microsoft.com/office/drawing/2014/main" id="{BAD7896F-EE06-43F1-8A15-3B827E7F2685}"/>
               </a:ext>
             </a:extLst>
           </p:cNvPr>
@@ -8085,13 +8547,8 @@
           <a:p>
             <a:r>
               <a:rPr lang="de-DE" dirty="0"/>
-              <a:t>UML-Diagramm(Gruppe)</a:t>
-            </a:r>
-          </a:p>
-          <a:p>
-            <a:pPr marL="0" indent="0">
-              <a:buNone/>
-            </a:pPr>
+              <a:t>?</a:t>
+            </a:r>
             <a:endParaRPr lang="de-AT" dirty="0"/>
           </a:p>
         </p:txBody>
@@ -8099,7 +8556,7 @@
     </p:spTree>
     <p:extLst>
       <p:ext uri="{BB962C8B-B14F-4D97-AF65-F5344CB8AC3E}">
-        <p14:creationId xmlns:p14="http://schemas.microsoft.com/office/powerpoint/2010/main" val="2412012781"/>
+        <p14:creationId xmlns:p14="http://schemas.microsoft.com/office/powerpoint/2010/main" val="3080244098"/>
       </p:ext>
     </p:extLst>
   </p:cSld>
@@ -8149,7 +8606,7 @@
           <a:p>
             <a:r>
               <a:rPr lang="de-DE" dirty="0"/>
-              <a:t>Aufgaben Elias u.a.:</a:t>
+              <a:t>Aufgaben Raffael u.a.:</a:t>
             </a:r>
             <a:endParaRPr lang="de-AT" dirty="0"/>
           </a:p>
@@ -8178,8 +8635,31 @@
           <a:p>
             <a:r>
               <a:rPr lang="de-DE" dirty="0"/>
-              <a:t>UML-Diagramm (Gruppe) </a:t>
-            </a:r>
+              <a:t>UML-Diagramm(Gruppe)</a:t>
+            </a:r>
+          </a:p>
+          <a:p>
+            <a:r>
+              <a:rPr lang="de-DE" dirty="0"/>
+              <a:t>Visual Design</a:t>
+            </a:r>
+          </a:p>
+          <a:p>
+            <a:r>
+              <a:rPr lang="de-DE" dirty="0"/>
+              <a:t>User erstellen, löschen und editieren</a:t>
+            </a:r>
+          </a:p>
+          <a:p>
+            <a:r>
+              <a:rPr lang="de-DE" dirty="0"/>
+              <a:t>Basis Für Flug und Flugzeug Seiten</a:t>
+            </a:r>
+          </a:p>
+          <a:p>
+            <a:pPr marL="0" indent="0">
+              <a:buNone/>
+            </a:pPr>
             <a:endParaRPr lang="de-AT" dirty="0"/>
           </a:p>
         </p:txBody>
@@ -8187,7 +8667,7 @@
     </p:spTree>
     <p:extLst>
       <p:ext uri="{BB962C8B-B14F-4D97-AF65-F5344CB8AC3E}">
-        <p14:creationId xmlns:p14="http://schemas.microsoft.com/office/powerpoint/2010/main" val="2092753167"/>
+        <p14:creationId xmlns:p14="http://schemas.microsoft.com/office/powerpoint/2010/main" val="2412012781"/>
       </p:ext>
     </p:extLst>
   </p:cSld>
@@ -8237,7 +8717,7 @@
           <a:p>
             <a:r>
               <a:rPr lang="de-DE" dirty="0"/>
-              <a:t>Aufgaben Alexander u.a.:</a:t>
+              <a:t>Aufgaben Elias u.a.:</a:t>
             </a:r>
             <a:endParaRPr lang="de-AT" dirty="0"/>
           </a:p>
@@ -8266,78 +8746,31 @@
           <a:p>
             <a:r>
               <a:rPr lang="de-DE" dirty="0"/>
-              <a:t>UML Diagramm (Gruppe) </a:t>
-            </a:r>
-          </a:p>
-          <a:p>
-            <a:r>
-              <a:rPr lang="de-DE" dirty="0" err="1"/>
-              <a:t>AuditLog</a:t>
-            </a:r>
-            <a:endParaRPr lang="de-AT" dirty="0"/>
-          </a:p>
-          <a:p>
-            <a:r>
-              <a:rPr lang="de-AT" dirty="0" err="1"/>
-              <a:t>FailureUrl</a:t>
-            </a:r>
-            <a:endParaRPr lang="de-AT" dirty="0"/>
-          </a:p>
-          <a:p>
-            <a:r>
-              <a:rPr lang="de-AT" dirty="0"/>
-              <a:t>Pop </a:t>
-            </a:r>
-            <a:r>
-              <a:rPr lang="de-AT" dirty="0" err="1"/>
-              <a:t>ups</a:t>
-            </a:r>
-            <a:r>
-              <a:rPr lang="de-AT" dirty="0"/>
-              <a:t> </a:t>
-            </a:r>
-            <a:r>
-              <a:rPr lang="de-AT" dirty="0" err="1"/>
-              <a:t>for</a:t>
-            </a:r>
-            <a:r>
-              <a:rPr lang="de-AT" dirty="0"/>
-              <a:t> </a:t>
-            </a:r>
-            <a:r>
-              <a:rPr lang="de-AT" dirty="0" err="1"/>
-              <a:t>errors</a:t>
-            </a:r>
-            <a:r>
-              <a:rPr lang="de-AT" dirty="0"/>
-              <a:t> and </a:t>
-            </a:r>
-            <a:r>
-              <a:rPr lang="de-AT" dirty="0" err="1"/>
-              <a:t>alerts</a:t>
-            </a:r>
-            <a:r>
-              <a:rPr lang="de-AT" dirty="0"/>
-              <a:t> </a:t>
-            </a:r>
-            <a:r>
-              <a:rPr lang="de-AT" dirty="0" err="1"/>
-              <a:t>with</a:t>
-            </a:r>
-            <a:r>
-              <a:rPr lang="de-AT" dirty="0"/>
-              <a:t> </a:t>
-            </a:r>
-            <a:r>
-              <a:rPr lang="de-AT" dirty="0" err="1"/>
-              <a:t>FacesMessage</a:t>
-            </a:r>
-            <a:endParaRPr lang="de-AT" dirty="0"/>
+              <a:t>UML-Diagramm (Gruppe)</a:t>
+            </a:r>
           </a:p>
           <a:p>
             <a:r>
               <a:rPr lang="de-DE" dirty="0"/>
-              <a:t>Teil des Dienstplans</a:t>
+              <a:t>Flug-Portal Seite</a:t>
+            </a:r>
+          </a:p>
+          <a:p>
+            <a:r>
+              <a:rPr lang="de-DE" dirty="0"/>
+              <a:t>Email-Service</a:t>
+            </a:r>
+          </a:p>
+          <a:p>
+            <a:r>
+              <a:rPr lang="de-DE" dirty="0"/>
+              <a:t>Frontend Dienstplan</a:t>
+            </a:r>
+          </a:p>
+          <a:p>
+            <a:r>
+              <a:rPr lang="de-DE" dirty="0"/>
+              <a:t>Projektplan</a:t>
             </a:r>
           </a:p>
           <a:p>
@@ -8361,13 +8794,16 @@
               <a:rPr lang="de-DE" dirty="0"/>
               <a:t> </a:t>
             </a:r>
+          </a:p>
+          <a:p>
+            <a:endParaRPr lang="de-AT" dirty="0"/>
           </a:p>
         </p:txBody>
       </p:sp>
     </p:spTree>
     <p:extLst>
       <p:ext uri="{BB962C8B-B14F-4D97-AF65-F5344CB8AC3E}">
-        <p14:creationId xmlns:p14="http://schemas.microsoft.com/office/powerpoint/2010/main" val="951825689"/>
+        <p14:creationId xmlns:p14="http://schemas.microsoft.com/office/powerpoint/2010/main" val="2092753167"/>
       </p:ext>
     </p:extLst>
   </p:cSld>
